--- a/Hackathon Ppt.pptx
+++ b/Hackathon Ppt.pptx
@@ -249,7 +249,7 @@
           <a:p>
             <a:fld id="{EF638A86-D2F3-4177-ADCD-B99706EADFE0}" type="datetimeFigureOut">
               <a:rPr lang="en-IN" smtClean="0"/>
-              <a:t>11-10-2020</a:t>
+              <a:t>12-10-2020</a:t>
             </a:fld>
             <a:endParaRPr lang="en-IN"/>
           </a:p>
@@ -563,13 +563,13 @@
           <a:p>
             <a:r>
               <a:rPr lang="en-IN" dirty="0"/>
-              <a:t>“Well, enough is enough. I want to become a Data Scientist and this year I will work to become one,”</a:t>
+              <a:t>“Enough is enough. I want to become a Data Scientist and this year I will work hard in order to become one,”</a:t>
             </a:r>
           </a:p>
           <a:p>
             <a:r>
               <a:rPr lang="en-IN" dirty="0"/>
-              <a:t>We all thought, right?</a:t>
+              <a:t>Well, We all thought this at the start of 2020, right?</a:t>
             </a:r>
           </a:p>
           <a:p>
@@ -609,6 +609,15 @@
             <a:r>
               <a:rPr lang="en-IN" dirty="0"/>
               <a:t>The Physical Classroom experience would have been different. But that doesn’t mean that we are not learning enough right now.</a:t>
+            </a:r>
+          </a:p>
+          <a:p>
+            <a:endParaRPr lang="en-IN" dirty="0"/>
+          </a:p>
+          <a:p>
+            <a:r>
+              <a:rPr lang="en-IN" dirty="0"/>
+              <a:t>In fact, E-learning has been a saviour!</a:t>
             </a:r>
           </a:p>
         </p:txBody>
@@ -798,7 +807,7 @@
           <a:p>
             <a:fld id="{1BBBA4BF-0C0D-41B1-9C9F-D0A86C43D539}" type="datetimeFigureOut">
               <a:rPr lang="en-IN" smtClean="0"/>
-              <a:t>11-10-2020</a:t>
+              <a:t>12-10-2020</a:t>
             </a:fld>
             <a:endParaRPr lang="en-IN"/>
           </a:p>
@@ -998,7 +1007,7 @@
           <a:p>
             <a:fld id="{1BBBA4BF-0C0D-41B1-9C9F-D0A86C43D539}" type="datetimeFigureOut">
               <a:rPr lang="en-IN" smtClean="0"/>
-              <a:t>11-10-2020</a:t>
+              <a:t>12-10-2020</a:t>
             </a:fld>
             <a:endParaRPr lang="en-IN"/>
           </a:p>
@@ -1208,7 +1217,7 @@
           <a:p>
             <a:fld id="{1BBBA4BF-0C0D-41B1-9C9F-D0A86C43D539}" type="datetimeFigureOut">
               <a:rPr lang="en-IN" smtClean="0"/>
-              <a:t>11-10-2020</a:t>
+              <a:t>12-10-2020</a:t>
             </a:fld>
             <a:endParaRPr lang="en-IN"/>
           </a:p>
@@ -1408,7 +1417,7 @@
           <a:p>
             <a:fld id="{1BBBA4BF-0C0D-41B1-9C9F-D0A86C43D539}" type="datetimeFigureOut">
               <a:rPr lang="en-IN" smtClean="0"/>
-              <a:t>11-10-2020</a:t>
+              <a:t>12-10-2020</a:t>
             </a:fld>
             <a:endParaRPr lang="en-IN"/>
           </a:p>
@@ -1684,7 +1693,7 @@
           <a:p>
             <a:fld id="{1BBBA4BF-0C0D-41B1-9C9F-D0A86C43D539}" type="datetimeFigureOut">
               <a:rPr lang="en-IN" smtClean="0"/>
-              <a:t>11-10-2020</a:t>
+              <a:t>12-10-2020</a:t>
             </a:fld>
             <a:endParaRPr lang="en-IN"/>
           </a:p>
@@ -1952,7 +1961,7 @@
           <a:p>
             <a:fld id="{1BBBA4BF-0C0D-41B1-9C9F-D0A86C43D539}" type="datetimeFigureOut">
               <a:rPr lang="en-IN" smtClean="0"/>
-              <a:t>11-10-2020</a:t>
+              <a:t>12-10-2020</a:t>
             </a:fld>
             <a:endParaRPr lang="en-IN"/>
           </a:p>
@@ -2367,7 +2376,7 @@
           <a:p>
             <a:fld id="{1BBBA4BF-0C0D-41B1-9C9F-D0A86C43D539}" type="datetimeFigureOut">
               <a:rPr lang="en-IN" smtClean="0"/>
-              <a:t>11-10-2020</a:t>
+              <a:t>12-10-2020</a:t>
             </a:fld>
             <a:endParaRPr lang="en-IN"/>
           </a:p>
@@ -2509,7 +2518,7 @@
           <a:p>
             <a:fld id="{1BBBA4BF-0C0D-41B1-9C9F-D0A86C43D539}" type="datetimeFigureOut">
               <a:rPr lang="en-IN" smtClean="0"/>
-              <a:t>11-10-2020</a:t>
+              <a:t>12-10-2020</a:t>
             </a:fld>
             <a:endParaRPr lang="en-IN"/>
           </a:p>
@@ -2622,7 +2631,7 @@
           <a:p>
             <a:fld id="{1BBBA4BF-0C0D-41B1-9C9F-D0A86C43D539}" type="datetimeFigureOut">
               <a:rPr lang="en-IN" smtClean="0"/>
-              <a:t>11-10-2020</a:t>
+              <a:t>12-10-2020</a:t>
             </a:fld>
             <a:endParaRPr lang="en-IN"/>
           </a:p>
@@ -2935,7 +2944,7 @@
           <a:p>
             <a:fld id="{1BBBA4BF-0C0D-41B1-9C9F-D0A86C43D539}" type="datetimeFigureOut">
               <a:rPr lang="en-IN" smtClean="0"/>
-              <a:t>11-10-2020</a:t>
+              <a:t>12-10-2020</a:t>
             </a:fld>
             <a:endParaRPr lang="en-IN"/>
           </a:p>
@@ -3224,7 +3233,7 @@
           <a:p>
             <a:fld id="{1BBBA4BF-0C0D-41B1-9C9F-D0A86C43D539}" type="datetimeFigureOut">
               <a:rPr lang="en-IN" smtClean="0"/>
-              <a:t>11-10-2020</a:t>
+              <a:t>12-10-2020</a:t>
             </a:fld>
             <a:endParaRPr lang="en-IN"/>
           </a:p>
@@ -3467,7 +3476,7 @@
           <a:p>
             <a:fld id="{1BBBA4BF-0C0D-41B1-9C9F-D0A86C43D539}" type="datetimeFigureOut">
               <a:rPr lang="en-IN" smtClean="0"/>
-              <a:t>11-10-2020</a:t>
+              <a:t>12-10-2020</a:t>
             </a:fld>
             <a:endParaRPr lang="en-IN"/>
           </a:p>
@@ -4166,62 +4175,6 @@
           </a:extLst>
         </p:spPr>
       </p:pic>
-      <p:pic>
-        <p:nvPicPr>
-          <p:cNvPr id="18" name="Picture 8" descr="I want both 'Check Mark' and 'Cross Mark' in 'Symbol' section of 'Stamp  Tool' to have same color. How can this be achieved? – TechSmith Support">
-            <a:extLst>
-              <a:ext uri="{FF2B5EF4-FFF2-40B4-BE49-F238E27FC236}">
-                <a16:creationId xmlns:a16="http://schemas.microsoft.com/office/drawing/2014/main" id="{428A9DE2-F3DB-4A8A-BCCD-FCF1DFDE951D}"/>
-              </a:ext>
-            </a:extLst>
-          </p:cNvPr>
-          <p:cNvPicPr>
-            <a:picLocks noChangeAspect="1" noChangeArrowheads="1"/>
-          </p:cNvPicPr>
-          <p:nvPr/>
-        </p:nvPicPr>
-        <p:blipFill rotWithShape="1">
-          <a:blip r:embed="rId10">
-            <a:extLst>
-              <a:ext uri="{BEBA8EAE-BF5A-486C-A8C5-ECC9F3942E4B}">
-                <a14:imgProps xmlns:a14="http://schemas.microsoft.com/office/drawing/2010/main">
-                  <a14:imgLayer r:embed="rId9">
-                    <a14:imgEffect>
-                      <a14:backgroundRemoval t="10000" b="90000" l="4612" r="41505">
-                        <a14:foregroundMark x1="38776" y1="24710" x2="41429" y2="23938"/>
-                      </a14:backgroundRemoval>
-                    </a14:imgEffect>
-                  </a14:imgLayer>
-                </a14:imgProps>
-              </a:ext>
-              <a:ext uri="{28A0092B-C50C-407E-A947-70E740481C1C}">
-                <a14:useLocalDpi xmlns:a14="http://schemas.microsoft.com/office/drawing/2010/main" val="0"/>
-              </a:ext>
-            </a:extLst>
-          </a:blip>
-          <a:srcRect r="53883"/>
-          <a:stretch/>
-        </p:blipFill>
-        <p:spPr bwMode="auto">
-          <a:xfrm>
-            <a:off x="10401742" y="2256227"/>
-            <a:ext cx="1592862" cy="1825655"/>
-          </a:xfrm>
-          <a:prstGeom prst="rect">
-            <a:avLst/>
-          </a:prstGeom>
-          <a:noFill/>
-          <a:extLst>
-            <a:ext uri="{909E8E84-426E-40DD-AFC4-6F175D3DCCD1}">
-              <a14:hiddenFill xmlns:a14="http://schemas.microsoft.com/office/drawing/2010/main">
-                <a:solidFill>
-                  <a:srgbClr val="FFFFFF"/>
-                </a:solidFill>
-              </a14:hiddenFill>
-            </a:ext>
-          </a:extLst>
-        </p:spPr>
-      </p:pic>
       <p:grpSp>
         <p:nvGrpSpPr>
           <p:cNvPr id="3" name="Group 2">
@@ -4257,11 +4210,11 @@
             <p:nvPr/>
           </p:nvPicPr>
           <p:blipFill>
-            <a:blip r:embed="rId11">
+            <a:blip r:embed="rId10">
               <a:extLst>
                 <a:ext uri="{BEBA8EAE-BF5A-486C-A8C5-ECC9F3942E4B}">
                   <a14:imgProps xmlns:a14="http://schemas.microsoft.com/office/drawing/2010/main">
-                    <a14:imgLayer r:embed="rId12">
+                    <a14:imgLayer r:embed="rId11">
                       <a14:imgEffect>
                         <a14:backgroundRemoval t="9987" b="89879" l="5824" r="96366">
                           <a14:foregroundMark x1="5824" y1="83110" x2="12593" y2="77614"/>
@@ -4316,7 +4269,7 @@
             <p:nvPr/>
           </p:nvPicPr>
           <p:blipFill>
-            <a:blip r:embed="rId13">
+            <a:blip r:embed="rId12">
               <a:extLst>
                 <a:ext uri="{28A0092B-C50C-407E-A947-70E740481C1C}">
                   <a14:useLocalDpi xmlns:a14="http://schemas.microsoft.com/office/drawing/2010/main" val="0"/>
@@ -4349,6 +4302,62 @@
           </p:spPr>
         </p:pic>
       </p:grpSp>
+      <p:pic>
+        <p:nvPicPr>
+          <p:cNvPr id="18" name="Picture 8" descr="I want both 'Check Mark' and 'Cross Mark' in 'Symbol' section of 'Stamp  Tool' to have same color. How can this be achieved? – TechSmith Support">
+            <a:extLst>
+              <a:ext uri="{FF2B5EF4-FFF2-40B4-BE49-F238E27FC236}">
+                <a16:creationId xmlns:a16="http://schemas.microsoft.com/office/drawing/2014/main" id="{428A9DE2-F3DB-4A8A-BCCD-FCF1DFDE951D}"/>
+              </a:ext>
+            </a:extLst>
+          </p:cNvPr>
+          <p:cNvPicPr>
+            <a:picLocks noChangeAspect="1" noChangeArrowheads="1"/>
+          </p:cNvPicPr>
+          <p:nvPr/>
+        </p:nvPicPr>
+        <p:blipFill rotWithShape="1">
+          <a:blip r:embed="rId13">
+            <a:extLst>
+              <a:ext uri="{BEBA8EAE-BF5A-486C-A8C5-ECC9F3942E4B}">
+                <a14:imgProps xmlns:a14="http://schemas.microsoft.com/office/drawing/2010/main">
+                  <a14:imgLayer r:embed="rId9">
+                    <a14:imgEffect>
+                      <a14:backgroundRemoval t="10000" b="90000" l="4612" r="41505">
+                        <a14:foregroundMark x1="38776" y1="24710" x2="41429" y2="23938"/>
+                      </a14:backgroundRemoval>
+                    </a14:imgEffect>
+                  </a14:imgLayer>
+                </a14:imgProps>
+              </a:ext>
+              <a:ext uri="{28A0092B-C50C-407E-A947-70E740481C1C}">
+                <a14:useLocalDpi xmlns:a14="http://schemas.microsoft.com/office/drawing/2010/main" val="0"/>
+              </a:ext>
+            </a:extLst>
+          </a:blip>
+          <a:srcRect r="53883"/>
+          <a:stretch/>
+        </p:blipFill>
+        <p:spPr bwMode="auto">
+          <a:xfrm>
+            <a:off x="10401742" y="2256227"/>
+            <a:ext cx="1592862" cy="1825655"/>
+          </a:xfrm>
+          <a:prstGeom prst="rect">
+            <a:avLst/>
+          </a:prstGeom>
+          <a:noFill/>
+          <a:extLst>
+            <a:ext uri="{909E8E84-426E-40DD-AFC4-6F175D3DCCD1}">
+              <a14:hiddenFill xmlns:a14="http://schemas.microsoft.com/office/drawing/2010/main">
+                <a:solidFill>
+                  <a:srgbClr val="FFFFFF"/>
+                </a:solidFill>
+              </a14:hiddenFill>
+            </a:ext>
+          </a:extLst>
+        </p:spPr>
+      </p:pic>
     </p:spTree>
     <p:extLst>
       <p:ext uri="{BB962C8B-B14F-4D97-AF65-F5344CB8AC3E}">
